--- a/logos/pyOpenMSlogo_final.pptx
+++ b/logos/pyOpenMSlogo_final.pptx
@@ -5,7 +5,7 @@
     <p:sldMasterId id="2147483648" r:id="rId1"/>
   </p:sldMasterIdLst>
   <p:sldIdLst>
-    <p:sldId id="265" r:id="rId2"/>
+    <p:sldId id="266" r:id="rId2"/>
   </p:sldIdLst>
   <p:sldSz cx="12192000" cy="6858000"/>
   <p:notesSz cx="6858000" cy="9144000"/>
@@ -115,9 +115,228 @@
 <file path=ppt/revisionInfo.xml><?xml version="1.0" encoding="utf-8"?>
 <p1510:revInfo xmlns:a="http://schemas.openxmlformats.org/drawingml/2006/main" xmlns:r="http://schemas.openxmlformats.org/officeDocument/2006/relationships" xmlns:p1510="http://schemas.microsoft.com/office/powerpoint/2015/10/main">
   <p1510:revLst>
-    <p1510:client id="{76834037-32E7-4506-9514-146108A6A1E4}" v="16" dt="2023-05-09T13:47:50.870"/>
+    <p1510:client id="{57EE34FD-0C16-4BA1-887C-F1F2992E9FEF}" v="6" dt="2023-05-22T12:56:00.286"/>
   </p1510:revLst>
 </p1510:revInfo>
+</file>
+
+<file path=ppt/changesInfos/changesInfo1.xml><?xml version="1.0" encoding="utf-8"?>
+<pc:chgInfo xmlns:a="http://schemas.openxmlformats.org/drawingml/2006/main" xmlns:r="http://schemas.openxmlformats.org/officeDocument/2006/relationships" xmlns:ac="http://schemas.microsoft.com/office/drawing/2013/main/command" xmlns:pc="http://schemas.microsoft.com/office/powerpoint/2013/main/command">
+  <pc:docChgLst>
+    <pc:chgData name="Timo Sachsenberg" userId="c9316dfa-ceb2-46fb-9ce2-375d23aa8a34" providerId="ADAL" clId="{57EE34FD-0C16-4BA1-887C-F1F2992E9FEF}"/>
+    <pc:docChg chg="undo custSel addSld delSld modSld">
+      <pc:chgData name="Timo Sachsenberg" userId="c9316dfa-ceb2-46fb-9ce2-375d23aa8a34" providerId="ADAL" clId="{57EE34FD-0C16-4BA1-887C-F1F2992E9FEF}" dt="2023-05-22T12:56:17.379" v="49" actId="207"/>
+      <pc:docMkLst>
+        <pc:docMk/>
+      </pc:docMkLst>
+      <pc:sldChg chg="del">
+        <pc:chgData name="Timo Sachsenberg" userId="c9316dfa-ceb2-46fb-9ce2-375d23aa8a34" providerId="ADAL" clId="{57EE34FD-0C16-4BA1-887C-F1F2992E9FEF}" dt="2023-05-22T12:55:51.093" v="44" actId="47"/>
+        <pc:sldMkLst>
+          <pc:docMk/>
+          <pc:sldMk cId="1338546318" sldId="265"/>
+        </pc:sldMkLst>
+      </pc:sldChg>
+      <pc:sldChg chg="addSp delSp modSp add mod">
+        <pc:chgData name="Timo Sachsenberg" userId="c9316dfa-ceb2-46fb-9ce2-375d23aa8a34" providerId="ADAL" clId="{57EE34FD-0C16-4BA1-887C-F1F2992E9FEF}" dt="2023-05-22T12:56:17.379" v="49" actId="207"/>
+        <pc:sldMkLst>
+          <pc:docMk/>
+          <pc:sldMk cId="3573868266" sldId="266"/>
+        </pc:sldMkLst>
+        <pc:spChg chg="add mod">
+          <ac:chgData name="Timo Sachsenberg" userId="c9316dfa-ceb2-46fb-9ce2-375d23aa8a34" providerId="ADAL" clId="{57EE34FD-0C16-4BA1-887C-F1F2992E9FEF}" dt="2023-05-22T12:56:11.493" v="48" actId="207"/>
+          <ac:spMkLst>
+            <pc:docMk/>
+            <pc:sldMk cId="3573868266" sldId="266"/>
+            <ac:spMk id="3" creationId="{45712C5C-6925-30E5-7A46-BE5969E49A7C}"/>
+          </ac:spMkLst>
+        </pc:spChg>
+        <pc:spChg chg="del">
+          <ac:chgData name="Timo Sachsenberg" userId="c9316dfa-ceb2-46fb-9ce2-375d23aa8a34" providerId="ADAL" clId="{57EE34FD-0C16-4BA1-887C-F1F2992E9FEF}" dt="2023-05-22T12:39:36.953" v="29" actId="478"/>
+          <ac:spMkLst>
+            <pc:docMk/>
+            <pc:sldMk cId="3573868266" sldId="266"/>
+            <ac:spMk id="3" creationId="{9DA8BAD5-E2B1-CD2F-1001-00E1B6B978E4}"/>
+          </ac:spMkLst>
+        </pc:spChg>
+        <pc:spChg chg="del">
+          <ac:chgData name="Timo Sachsenberg" userId="c9316dfa-ceb2-46fb-9ce2-375d23aa8a34" providerId="ADAL" clId="{57EE34FD-0C16-4BA1-887C-F1F2992E9FEF}" dt="2023-05-22T12:39:39.697" v="30" actId="478"/>
+          <ac:spMkLst>
+            <pc:docMk/>
+            <pc:sldMk cId="3573868266" sldId="266"/>
+            <ac:spMk id="5" creationId="{4A59CA22-B73A-1167-35CF-D2DA3103EA08}"/>
+          </ac:spMkLst>
+        </pc:spChg>
+        <pc:spChg chg="mod topLvl">
+          <ac:chgData name="Timo Sachsenberg" userId="c9316dfa-ceb2-46fb-9ce2-375d23aa8a34" providerId="ADAL" clId="{57EE34FD-0C16-4BA1-887C-F1F2992E9FEF}" dt="2023-05-22T12:39:12.444" v="28" actId="164"/>
+          <ac:spMkLst>
+            <pc:docMk/>
+            <pc:sldMk cId="3573868266" sldId="266"/>
+            <ac:spMk id="6" creationId="{59B2A375-1A58-938D-066E-7FD3305D38AB}"/>
+          </ac:spMkLst>
+        </pc:spChg>
+        <pc:spChg chg="mod topLvl">
+          <ac:chgData name="Timo Sachsenberg" userId="c9316dfa-ceb2-46fb-9ce2-375d23aa8a34" providerId="ADAL" clId="{57EE34FD-0C16-4BA1-887C-F1F2992E9FEF}" dt="2023-05-22T12:39:12.444" v="28" actId="164"/>
+          <ac:spMkLst>
+            <pc:docMk/>
+            <pc:sldMk cId="3573868266" sldId="266"/>
+            <ac:spMk id="7" creationId="{37F1F07A-223C-CC6E-3EA1-CBC0CE70A13F}"/>
+          </ac:spMkLst>
+        </pc:spChg>
+        <pc:spChg chg="mod topLvl">
+          <ac:chgData name="Timo Sachsenberg" userId="c9316dfa-ceb2-46fb-9ce2-375d23aa8a34" providerId="ADAL" clId="{57EE34FD-0C16-4BA1-887C-F1F2992E9FEF}" dt="2023-05-22T12:39:12.444" v="28" actId="164"/>
+          <ac:spMkLst>
+            <pc:docMk/>
+            <pc:sldMk cId="3573868266" sldId="266"/>
+            <ac:spMk id="8" creationId="{BBA1BF85-0C00-44E7-D03A-02CDE2D43EFB}"/>
+          </ac:spMkLst>
+        </pc:spChg>
+        <pc:spChg chg="mod">
+          <ac:chgData name="Timo Sachsenberg" userId="c9316dfa-ceb2-46fb-9ce2-375d23aa8a34" providerId="ADAL" clId="{57EE34FD-0C16-4BA1-887C-F1F2992E9FEF}" dt="2023-05-22T12:56:17.379" v="49" actId="207"/>
+          <ac:spMkLst>
+            <pc:docMk/>
+            <pc:sldMk cId="3573868266" sldId="266"/>
+            <ac:spMk id="9" creationId="{21031555-F42A-0897-818A-3BCCD30992D7}"/>
+          </ac:spMkLst>
+        </pc:spChg>
+        <pc:spChg chg="del">
+          <ac:chgData name="Timo Sachsenberg" userId="c9316dfa-ceb2-46fb-9ce2-375d23aa8a34" providerId="ADAL" clId="{57EE34FD-0C16-4BA1-887C-F1F2992E9FEF}" dt="2023-05-22T12:39:39.697" v="30" actId="478"/>
+          <ac:spMkLst>
+            <pc:docMk/>
+            <pc:sldMk cId="3573868266" sldId="266"/>
+            <ac:spMk id="9" creationId="{A60637A4-1AF6-A91D-6239-4C4420EEF45A}"/>
+          </ac:spMkLst>
+        </pc:spChg>
+        <pc:spChg chg="mod topLvl">
+          <ac:chgData name="Timo Sachsenberg" userId="c9316dfa-ceb2-46fb-9ce2-375d23aa8a34" providerId="ADAL" clId="{57EE34FD-0C16-4BA1-887C-F1F2992E9FEF}" dt="2023-05-22T12:39:12.444" v="28" actId="164"/>
+          <ac:spMkLst>
+            <pc:docMk/>
+            <pc:sldMk cId="3573868266" sldId="266"/>
+            <ac:spMk id="10" creationId="{FFC03A18-21BD-0A59-C280-01C5A2039AE7}"/>
+          </ac:spMkLst>
+        </pc:spChg>
+        <pc:spChg chg="del">
+          <ac:chgData name="Timo Sachsenberg" userId="c9316dfa-ceb2-46fb-9ce2-375d23aa8a34" providerId="ADAL" clId="{57EE34FD-0C16-4BA1-887C-F1F2992E9FEF}" dt="2023-05-22T12:39:39.697" v="30" actId="478"/>
+          <ac:spMkLst>
+            <pc:docMk/>
+            <pc:sldMk cId="3573868266" sldId="266"/>
+            <ac:spMk id="11" creationId="{DB0FEF22-4D2F-CDF1-F7C3-E3FDEBD959FD}"/>
+          </ac:spMkLst>
+        </pc:spChg>
+        <pc:spChg chg="mod">
+          <ac:chgData name="Timo Sachsenberg" userId="c9316dfa-ceb2-46fb-9ce2-375d23aa8a34" providerId="ADAL" clId="{57EE34FD-0C16-4BA1-887C-F1F2992E9FEF}" dt="2023-05-22T12:56:17.379" v="49" actId="207"/>
+          <ac:spMkLst>
+            <pc:docMk/>
+            <pc:sldMk cId="3573868266" sldId="266"/>
+            <ac:spMk id="11" creationId="{ED9C8BC7-2DA0-6E0E-28FD-470188ED043D}"/>
+          </ac:spMkLst>
+        </pc:spChg>
+        <pc:spChg chg="mod">
+          <ac:chgData name="Timo Sachsenberg" userId="c9316dfa-ceb2-46fb-9ce2-375d23aa8a34" providerId="ADAL" clId="{57EE34FD-0C16-4BA1-887C-F1F2992E9FEF}" dt="2023-05-22T12:56:17.379" v="49" actId="207"/>
+          <ac:spMkLst>
+            <pc:docMk/>
+            <pc:sldMk cId="3573868266" sldId="266"/>
+            <ac:spMk id="12" creationId="{72F8D811-242A-37AD-ACC7-E60A576308A5}"/>
+          </ac:spMkLst>
+        </pc:spChg>
+        <pc:spChg chg="mod">
+          <ac:chgData name="Timo Sachsenberg" userId="c9316dfa-ceb2-46fb-9ce2-375d23aa8a34" providerId="ADAL" clId="{57EE34FD-0C16-4BA1-887C-F1F2992E9FEF}" dt="2023-05-22T12:56:17.379" v="49" actId="207"/>
+          <ac:spMkLst>
+            <pc:docMk/>
+            <pc:sldMk cId="3573868266" sldId="266"/>
+            <ac:spMk id="13" creationId="{2D44D04F-0B15-BDA9-5F7B-E66BE57C2820}"/>
+          </ac:spMkLst>
+        </pc:spChg>
+        <pc:spChg chg="del">
+          <ac:chgData name="Timo Sachsenberg" userId="c9316dfa-ceb2-46fb-9ce2-375d23aa8a34" providerId="ADAL" clId="{57EE34FD-0C16-4BA1-887C-F1F2992E9FEF}" dt="2023-05-22T12:39:39.697" v="30" actId="478"/>
+          <ac:spMkLst>
+            <pc:docMk/>
+            <pc:sldMk cId="3573868266" sldId="266"/>
+            <ac:spMk id="13" creationId="{EBD9B57E-7804-9855-CE52-1DBA21B771BA}"/>
+          </ac:spMkLst>
+        </pc:spChg>
+        <pc:grpChg chg="add mod">
+          <ac:chgData name="Timo Sachsenberg" userId="c9316dfa-ceb2-46fb-9ce2-375d23aa8a34" providerId="ADAL" clId="{57EE34FD-0C16-4BA1-887C-F1F2992E9FEF}" dt="2023-05-22T12:39:12.444" v="28" actId="164"/>
+          <ac:grpSpMkLst>
+            <pc:docMk/>
+            <pc:sldMk cId="3573868266" sldId="266"/>
+            <ac:grpSpMk id="4" creationId="{34C5AE35-DCA3-A7A9-BFF3-0D52B5CA0E92}"/>
+          </ac:grpSpMkLst>
+        </pc:grpChg>
+        <pc:grpChg chg="add mod">
+          <ac:chgData name="Timo Sachsenberg" userId="c9316dfa-ceb2-46fb-9ce2-375d23aa8a34" providerId="ADAL" clId="{57EE34FD-0C16-4BA1-887C-F1F2992E9FEF}" dt="2023-05-22T12:56:17.379" v="49" actId="207"/>
+          <ac:grpSpMkLst>
+            <pc:docMk/>
+            <pc:sldMk cId="3573868266" sldId="266"/>
+            <ac:grpSpMk id="5" creationId="{9BB04DAB-271A-8CD0-BD19-80AD428247C9}"/>
+          </ac:grpSpMkLst>
+        </pc:grpChg>
+        <pc:grpChg chg="del">
+          <ac:chgData name="Timo Sachsenberg" userId="c9316dfa-ceb2-46fb-9ce2-375d23aa8a34" providerId="ADAL" clId="{57EE34FD-0C16-4BA1-887C-F1F2992E9FEF}" dt="2023-05-22T12:37:29.639" v="1" actId="165"/>
+          <ac:grpSpMkLst>
+            <pc:docMk/>
+            <pc:sldMk cId="3573868266" sldId="266"/>
+            <ac:grpSpMk id="12" creationId="{B773D607-3D0C-8310-1011-3F5E190A37BE}"/>
+          </ac:grpSpMkLst>
+        </pc:grpChg>
+      </pc:sldChg>
+      <pc:sldChg chg="addSp delSp modSp add del mod">
+        <pc:chgData name="Timo Sachsenberg" userId="c9316dfa-ceb2-46fb-9ce2-375d23aa8a34" providerId="ADAL" clId="{57EE34FD-0C16-4BA1-887C-F1F2992E9FEF}" dt="2023-05-22T12:55:52.057" v="45" actId="47"/>
+        <pc:sldMkLst>
+          <pc:docMk/>
+          <pc:sldMk cId="1623220166" sldId="267"/>
+        </pc:sldMkLst>
+        <pc:spChg chg="mod">
+          <ac:chgData name="Timo Sachsenberg" userId="c9316dfa-ceb2-46fb-9ce2-375d23aa8a34" providerId="ADAL" clId="{57EE34FD-0C16-4BA1-887C-F1F2992E9FEF}" dt="2023-05-22T12:39:52.346" v="32"/>
+          <ac:spMkLst>
+            <pc:docMk/>
+            <pc:sldMk cId="1623220166" sldId="267"/>
+            <ac:spMk id="5" creationId="{883CE37F-FC96-9B60-EDC9-8CD16036E205}"/>
+          </ac:spMkLst>
+        </pc:spChg>
+        <pc:spChg chg="mod">
+          <ac:chgData name="Timo Sachsenberg" userId="c9316dfa-ceb2-46fb-9ce2-375d23aa8a34" providerId="ADAL" clId="{57EE34FD-0C16-4BA1-887C-F1F2992E9FEF}" dt="2023-05-22T12:39:52.346" v="32"/>
+          <ac:spMkLst>
+            <pc:docMk/>
+            <pc:sldMk cId="1623220166" sldId="267"/>
+            <ac:spMk id="9" creationId="{C73367DC-7E2B-AF50-0DA2-A9D53DE43DA6}"/>
+          </ac:spMkLst>
+        </pc:spChg>
+        <pc:spChg chg="mod">
+          <ac:chgData name="Timo Sachsenberg" userId="c9316dfa-ceb2-46fb-9ce2-375d23aa8a34" providerId="ADAL" clId="{57EE34FD-0C16-4BA1-887C-F1F2992E9FEF}" dt="2023-05-22T12:39:52.346" v="32"/>
+          <ac:spMkLst>
+            <pc:docMk/>
+            <pc:sldMk cId="1623220166" sldId="267"/>
+            <ac:spMk id="11" creationId="{944A6894-F482-3272-7071-8DC82086ECC9}"/>
+          </ac:spMkLst>
+        </pc:spChg>
+        <pc:spChg chg="mod">
+          <ac:chgData name="Timo Sachsenberg" userId="c9316dfa-ceb2-46fb-9ce2-375d23aa8a34" providerId="ADAL" clId="{57EE34FD-0C16-4BA1-887C-F1F2992E9FEF}" dt="2023-05-22T12:39:52.346" v="32"/>
+          <ac:spMkLst>
+            <pc:docMk/>
+            <pc:sldMk cId="1623220166" sldId="267"/>
+            <ac:spMk id="12" creationId="{F97661FC-129F-EC74-AB94-7CCC6FE29149}"/>
+          </ac:spMkLst>
+        </pc:spChg>
+        <pc:grpChg chg="add del mod ord">
+          <ac:chgData name="Timo Sachsenberg" userId="c9316dfa-ceb2-46fb-9ce2-375d23aa8a34" providerId="ADAL" clId="{57EE34FD-0C16-4BA1-887C-F1F2992E9FEF}" dt="2023-05-22T12:41:26.209" v="43" actId="1035"/>
+          <ac:grpSpMkLst>
+            <pc:docMk/>
+            <pc:sldMk cId="1623220166" sldId="267"/>
+            <ac:grpSpMk id="3" creationId="{1E455F96-2C28-7938-30B0-F7F2830CCA2A}"/>
+          </ac:grpSpMkLst>
+        </pc:grpChg>
+        <pc:grpChg chg="del">
+          <ac:chgData name="Timo Sachsenberg" userId="c9316dfa-ceb2-46fb-9ce2-375d23aa8a34" providerId="ADAL" clId="{57EE34FD-0C16-4BA1-887C-F1F2992E9FEF}" dt="2023-05-22T12:40:06.093" v="36" actId="478"/>
+          <ac:grpSpMkLst>
+            <pc:docMk/>
+            <pc:sldMk cId="1623220166" sldId="267"/>
+            <ac:grpSpMk id="4" creationId="{34C5AE35-DCA3-A7A9-BFF3-0D52B5CA0E92}"/>
+          </ac:grpSpMkLst>
+        </pc:grpChg>
+      </pc:sldChg>
+    </pc:docChg>
+  </pc:docChgLst>
+</pc:chgInfo>
 </file>
 
 <file path=ppt/slideLayouts/slideLayout1.xml><?xml version="1.0" encoding="utf-8"?>
@@ -3396,10 +3615,10 @@
       </p:sp>
       <p:grpSp>
         <p:nvGrpSpPr>
-          <p:cNvPr id="12" name="Group 11">
-            <a:extLst>
-              <a:ext uri="{FF2B5EF4-FFF2-40B4-BE49-F238E27FC236}">
-                <a16:creationId xmlns:a16="http://schemas.microsoft.com/office/drawing/2014/main" id="{B773D607-3D0C-8310-1011-3F5E190A37BE}"/>
+          <p:cNvPr id="4" name="Group 3">
+            <a:extLst>
+              <a:ext uri="{FF2B5EF4-FFF2-40B4-BE49-F238E27FC236}">
+                <a16:creationId xmlns:a16="http://schemas.microsoft.com/office/drawing/2014/main" id="{34C5AE35-DCA3-A7A9-BFF3-0D52B5CA0E92}"/>
               </a:ext>
             </a:extLst>
           </p:cNvPr>
@@ -3409,9 +3628,9 @@
         <p:grpSpPr>
           <a:xfrm>
             <a:off x="4716972" y="806504"/>
-            <a:ext cx="1512291" cy="1351723"/>
-            <a:chOff x="5399376" y="731517"/>
-            <a:chExt cx="1512291" cy="1351723"/>
+            <a:ext cx="1611571" cy="1351723"/>
+            <a:chOff x="4716972" y="806504"/>
+            <a:chExt cx="1611571" cy="1351723"/>
           </a:xfrm>
         </p:grpSpPr>
         <p:sp>
@@ -3428,7 +3647,7 @@
           </p:nvSpPr>
           <p:spPr>
             <a:xfrm>
-              <a:off x="5399376" y="1164864"/>
+              <a:off x="4716972" y="1239851"/>
               <a:ext cx="158585" cy="918376"/>
             </a:xfrm>
             <a:prstGeom prst="rect">
@@ -3480,7 +3699,7 @@
           </p:nvSpPr>
           <p:spPr>
             <a:xfrm>
-              <a:off x="5850612" y="731517"/>
+              <a:off x="5201300" y="806504"/>
               <a:ext cx="158586" cy="1351722"/>
             </a:xfrm>
             <a:prstGeom prst="rect">
@@ -3532,7 +3751,7 @@
           </p:nvSpPr>
           <p:spPr>
             <a:xfrm>
-              <a:off x="6301848" y="1359671"/>
+              <a:off x="5685629" y="1434658"/>
               <a:ext cx="158585" cy="723568"/>
             </a:xfrm>
             <a:prstGeom prst="rect">
@@ -3584,7 +3803,7 @@
           </p:nvSpPr>
           <p:spPr>
             <a:xfrm>
-              <a:off x="6753082" y="1800968"/>
+              <a:off x="6169958" y="1875955"/>
               <a:ext cx="158585" cy="282271"/>
             </a:xfrm>
             <a:prstGeom prst="rect">
@@ -3628,7 +3847,7 @@
           <p:cNvPr id="3" name="Title 1">
             <a:extLst>
               <a:ext uri="{FF2B5EF4-FFF2-40B4-BE49-F238E27FC236}">
-                <a16:creationId xmlns:a16="http://schemas.microsoft.com/office/drawing/2014/main" id="{9DA8BAD5-E2B1-CD2F-1001-00E1B6B978E4}"/>
+                <a16:creationId xmlns:a16="http://schemas.microsoft.com/office/drawing/2014/main" id="{45712C5C-6925-30E5-7A46-BE5969E49A7C}"/>
               </a:ext>
             </a:extLst>
           </p:cNvPr>
@@ -3639,7 +3858,7 @@
         </p:nvSpPr>
         <p:spPr>
           <a:xfrm>
-            <a:off x="1524000" y="3663896"/>
+            <a:off x="1524000" y="3526908"/>
             <a:ext cx="9144000" cy="2387600"/>
           </a:xfrm>
           <a:prstGeom prst="rect">
@@ -3671,7 +3890,7 @@
           </a:lstStyle>
           <a:p>
             <a:r>
-              <a:rPr lang="de-DE" b="1">
+              <a:rPr lang="de-DE" b="1" dirty="0">
                 <a:latin typeface="Arial" panose="020B0604020202020204" pitchFamily="34" charset="0"/>
                 <a:cs typeface="Arial" panose="020B0604020202020204" pitchFamily="34" charset="0"/>
               </a:rPr>
@@ -3684,234 +3903,234 @@
           </a:p>
         </p:txBody>
       </p:sp>
-      <p:sp>
-        <p:nvSpPr>
-          <p:cNvPr id="5" name="Rectangle 4">
-            <a:extLst>
-              <a:ext uri="{FF2B5EF4-FFF2-40B4-BE49-F238E27FC236}">
-                <a16:creationId xmlns:a16="http://schemas.microsoft.com/office/drawing/2014/main" id="{4A59CA22-B73A-1167-35CF-D2DA3103EA08}"/>
-              </a:ext>
-            </a:extLst>
-          </p:cNvPr>
-          <p:cNvSpPr/>
+      <p:grpSp>
+        <p:nvGrpSpPr>
+          <p:cNvPr id="5" name="Group 4">
+            <a:extLst>
+              <a:ext uri="{FF2B5EF4-FFF2-40B4-BE49-F238E27FC236}">
+                <a16:creationId xmlns:a16="http://schemas.microsoft.com/office/drawing/2014/main" id="{9BB04DAB-271A-8CD0-BD19-80AD428247C9}"/>
+              </a:ext>
+            </a:extLst>
+          </p:cNvPr>
+          <p:cNvGrpSpPr/>
           <p:nvPr/>
-        </p:nvSpPr>
-        <p:spPr>
+        </p:nvGrpSpPr>
+        <p:grpSpPr>
           <a:xfrm>
-            <a:off x="4716972" y="4286294"/>
-            <a:ext cx="158585" cy="918376"/>
+            <a:off x="4716972" y="3715959"/>
+            <a:ext cx="1611571" cy="1351723"/>
+            <a:chOff x="4716972" y="806504"/>
+            <a:chExt cx="1611571" cy="1351723"/>
           </a:xfrm>
-          <a:prstGeom prst="rect">
-            <a:avLst/>
-          </a:prstGeom>
           <a:solidFill>
             <a:schemeClr val="tx1"/>
           </a:solidFill>
-          <a:ln>
-            <a:noFill/>
-          </a:ln>
-        </p:spPr>
-        <p:style>
-          <a:lnRef idx="2">
-            <a:schemeClr val="dk1">
-              <a:shade val="50000"/>
-            </a:schemeClr>
-          </a:lnRef>
-          <a:fillRef idx="1">
-            <a:schemeClr val="dk1"/>
-          </a:fillRef>
-          <a:effectRef idx="0">
-            <a:schemeClr val="dk1"/>
-          </a:effectRef>
-          <a:fontRef idx="minor">
-            <a:schemeClr val="lt1"/>
-          </a:fontRef>
-        </p:style>
-        <p:txBody>
-          <a:bodyPr rtlCol="0" anchor="ctr"/>
-          <a:lstStyle/>
-          <a:p>
-            <a:pPr algn="ctr"/>
-            <a:endParaRPr lang="en-US">
-              <a:solidFill>
-                <a:schemeClr val="tx1"/>
-              </a:solidFill>
-            </a:endParaRPr>
-          </a:p>
-        </p:txBody>
-      </p:sp>
-      <p:sp>
-        <p:nvSpPr>
-          <p:cNvPr id="9" name="Rectangle 8">
-            <a:extLst>
-              <a:ext uri="{FF2B5EF4-FFF2-40B4-BE49-F238E27FC236}">
-                <a16:creationId xmlns:a16="http://schemas.microsoft.com/office/drawing/2014/main" id="{A60637A4-1AF6-A91D-6239-4C4420EEF45A}"/>
-              </a:ext>
-            </a:extLst>
-          </p:cNvPr>
-          <p:cNvSpPr/>
-          <p:nvPr/>
-        </p:nvSpPr>
-        <p:spPr>
-          <a:xfrm>
-            <a:off x="5168208" y="3852947"/>
-            <a:ext cx="158586" cy="1351722"/>
-          </a:xfrm>
-          <a:prstGeom prst="rect">
-            <a:avLst/>
-          </a:prstGeom>
-          <a:solidFill>
-            <a:schemeClr val="tx1"/>
-          </a:solidFill>
-          <a:ln>
-            <a:noFill/>
-          </a:ln>
-        </p:spPr>
-        <p:style>
-          <a:lnRef idx="2">
-            <a:schemeClr val="dk1">
-              <a:shade val="50000"/>
-            </a:schemeClr>
-          </a:lnRef>
-          <a:fillRef idx="1">
-            <a:schemeClr val="dk1"/>
-          </a:fillRef>
-          <a:effectRef idx="0">
-            <a:schemeClr val="dk1"/>
-          </a:effectRef>
-          <a:fontRef idx="minor">
-            <a:schemeClr val="lt1"/>
-          </a:fontRef>
-        </p:style>
-        <p:txBody>
-          <a:bodyPr rtlCol="0" anchor="ctr"/>
-          <a:lstStyle/>
-          <a:p>
-            <a:pPr algn="ctr"/>
-            <a:endParaRPr lang="en-US">
-              <a:solidFill>
-                <a:schemeClr val="tx1"/>
-              </a:solidFill>
-            </a:endParaRPr>
-          </a:p>
-        </p:txBody>
-      </p:sp>
-      <p:sp>
-        <p:nvSpPr>
-          <p:cNvPr id="11" name="Rectangle 10">
-            <a:extLst>
-              <a:ext uri="{FF2B5EF4-FFF2-40B4-BE49-F238E27FC236}">
-                <a16:creationId xmlns:a16="http://schemas.microsoft.com/office/drawing/2014/main" id="{DB0FEF22-4D2F-CDF1-F7C3-E3FDEBD959FD}"/>
-              </a:ext>
-            </a:extLst>
-          </p:cNvPr>
-          <p:cNvSpPr/>
-          <p:nvPr/>
-        </p:nvSpPr>
-        <p:spPr>
-          <a:xfrm>
-            <a:off x="5619444" y="4481101"/>
-            <a:ext cx="158585" cy="723568"/>
-          </a:xfrm>
-          <a:prstGeom prst="rect">
-            <a:avLst/>
-          </a:prstGeom>
-          <a:solidFill>
-            <a:schemeClr val="tx1"/>
-          </a:solidFill>
-          <a:ln>
-            <a:noFill/>
-          </a:ln>
-        </p:spPr>
-        <p:style>
-          <a:lnRef idx="2">
-            <a:schemeClr val="dk1">
-              <a:shade val="50000"/>
-            </a:schemeClr>
-          </a:lnRef>
-          <a:fillRef idx="1">
-            <a:schemeClr val="dk1"/>
-          </a:fillRef>
-          <a:effectRef idx="0">
-            <a:schemeClr val="dk1"/>
-          </a:effectRef>
-          <a:fontRef idx="minor">
-            <a:schemeClr val="lt1"/>
-          </a:fontRef>
-        </p:style>
-        <p:txBody>
-          <a:bodyPr rtlCol="0" anchor="ctr"/>
-          <a:lstStyle/>
-          <a:p>
-            <a:pPr algn="ctr"/>
-            <a:endParaRPr lang="en-US">
-              <a:solidFill>
-                <a:schemeClr val="tx1"/>
-              </a:solidFill>
-            </a:endParaRPr>
-          </a:p>
-        </p:txBody>
-      </p:sp>
-      <p:sp>
-        <p:nvSpPr>
-          <p:cNvPr id="13" name="Rectangle 12">
-            <a:extLst>
-              <a:ext uri="{FF2B5EF4-FFF2-40B4-BE49-F238E27FC236}">
-                <a16:creationId xmlns:a16="http://schemas.microsoft.com/office/drawing/2014/main" id="{EBD9B57E-7804-9855-CE52-1DBA21B771BA}"/>
-              </a:ext>
-            </a:extLst>
-          </p:cNvPr>
-          <p:cNvSpPr/>
-          <p:nvPr/>
-        </p:nvSpPr>
-        <p:spPr>
-          <a:xfrm>
-            <a:off x="6070678" y="4922398"/>
-            <a:ext cx="158585" cy="282271"/>
-          </a:xfrm>
-          <a:prstGeom prst="rect">
-            <a:avLst/>
-          </a:prstGeom>
-          <a:solidFill>
-            <a:schemeClr val="tx1"/>
-          </a:solidFill>
-          <a:ln>
-            <a:noFill/>
-          </a:ln>
-        </p:spPr>
-        <p:style>
-          <a:lnRef idx="2">
-            <a:schemeClr val="dk1">
-              <a:shade val="50000"/>
-            </a:schemeClr>
-          </a:lnRef>
-          <a:fillRef idx="1">
-            <a:schemeClr val="dk1"/>
-          </a:fillRef>
-          <a:effectRef idx="0">
-            <a:schemeClr val="dk1"/>
-          </a:effectRef>
-          <a:fontRef idx="minor">
-            <a:schemeClr val="lt1"/>
-          </a:fontRef>
-        </p:style>
-        <p:txBody>
-          <a:bodyPr rtlCol="0" anchor="ctr"/>
-          <a:lstStyle/>
-          <a:p>
-            <a:pPr algn="ctr"/>
-            <a:endParaRPr lang="en-US">
-              <a:solidFill>
-                <a:schemeClr val="tx1"/>
-              </a:solidFill>
-            </a:endParaRPr>
-          </a:p>
-        </p:txBody>
-      </p:sp>
+        </p:grpSpPr>
+        <p:sp>
+          <p:nvSpPr>
+            <p:cNvPr id="9" name="Rectangle 8">
+              <a:extLst>
+                <a:ext uri="{FF2B5EF4-FFF2-40B4-BE49-F238E27FC236}">
+                  <a16:creationId xmlns:a16="http://schemas.microsoft.com/office/drawing/2014/main" id="{21031555-F42A-0897-818A-3BCCD30992D7}"/>
+                </a:ext>
+              </a:extLst>
+            </p:cNvPr>
+            <p:cNvSpPr/>
+            <p:nvPr/>
+          </p:nvSpPr>
+          <p:spPr>
+            <a:xfrm>
+              <a:off x="4716972" y="1239851"/>
+              <a:ext cx="158585" cy="918376"/>
+            </a:xfrm>
+            <a:prstGeom prst="rect">
+              <a:avLst/>
+            </a:prstGeom>
+            <a:grpFill/>
+            <a:ln>
+              <a:noFill/>
+            </a:ln>
+          </p:spPr>
+          <p:style>
+            <a:lnRef idx="2">
+              <a:schemeClr val="dk1">
+                <a:shade val="50000"/>
+              </a:schemeClr>
+            </a:lnRef>
+            <a:fillRef idx="1">
+              <a:schemeClr val="dk1"/>
+            </a:fillRef>
+            <a:effectRef idx="0">
+              <a:schemeClr val="dk1"/>
+            </a:effectRef>
+            <a:fontRef idx="minor">
+              <a:schemeClr val="lt1"/>
+            </a:fontRef>
+          </p:style>
+          <p:txBody>
+            <a:bodyPr rtlCol="0" anchor="ctr"/>
+            <a:lstStyle/>
+            <a:p>
+              <a:pPr algn="ctr"/>
+              <a:endParaRPr lang="en-US"/>
+            </a:p>
+          </p:txBody>
+        </p:sp>
+        <p:sp>
+          <p:nvSpPr>
+            <p:cNvPr id="11" name="Rectangle 10">
+              <a:extLst>
+                <a:ext uri="{FF2B5EF4-FFF2-40B4-BE49-F238E27FC236}">
+                  <a16:creationId xmlns:a16="http://schemas.microsoft.com/office/drawing/2014/main" id="{ED9C8BC7-2DA0-6E0E-28FD-470188ED043D}"/>
+                </a:ext>
+              </a:extLst>
+            </p:cNvPr>
+            <p:cNvSpPr/>
+            <p:nvPr/>
+          </p:nvSpPr>
+          <p:spPr>
+            <a:xfrm>
+              <a:off x="5201300" y="806504"/>
+              <a:ext cx="158586" cy="1351722"/>
+            </a:xfrm>
+            <a:prstGeom prst="rect">
+              <a:avLst/>
+            </a:prstGeom>
+            <a:grpFill/>
+            <a:ln>
+              <a:noFill/>
+            </a:ln>
+          </p:spPr>
+          <p:style>
+            <a:lnRef idx="2">
+              <a:schemeClr val="dk1">
+                <a:shade val="50000"/>
+              </a:schemeClr>
+            </a:lnRef>
+            <a:fillRef idx="1">
+              <a:schemeClr val="dk1"/>
+            </a:fillRef>
+            <a:effectRef idx="0">
+              <a:schemeClr val="dk1"/>
+            </a:effectRef>
+            <a:fontRef idx="minor">
+              <a:schemeClr val="lt1"/>
+            </a:fontRef>
+          </p:style>
+          <p:txBody>
+            <a:bodyPr rtlCol="0" anchor="ctr"/>
+            <a:lstStyle/>
+            <a:p>
+              <a:pPr algn="ctr"/>
+              <a:endParaRPr lang="en-US"/>
+            </a:p>
+          </p:txBody>
+        </p:sp>
+        <p:sp>
+          <p:nvSpPr>
+            <p:cNvPr id="12" name="Rectangle 11">
+              <a:extLst>
+                <a:ext uri="{FF2B5EF4-FFF2-40B4-BE49-F238E27FC236}">
+                  <a16:creationId xmlns:a16="http://schemas.microsoft.com/office/drawing/2014/main" id="{72F8D811-242A-37AD-ACC7-E60A576308A5}"/>
+                </a:ext>
+              </a:extLst>
+            </p:cNvPr>
+            <p:cNvSpPr/>
+            <p:nvPr/>
+          </p:nvSpPr>
+          <p:spPr>
+            <a:xfrm>
+              <a:off x="5685629" y="1434658"/>
+              <a:ext cx="158585" cy="723568"/>
+            </a:xfrm>
+            <a:prstGeom prst="rect">
+              <a:avLst/>
+            </a:prstGeom>
+            <a:grpFill/>
+            <a:ln>
+              <a:noFill/>
+            </a:ln>
+          </p:spPr>
+          <p:style>
+            <a:lnRef idx="2">
+              <a:schemeClr val="dk1">
+                <a:shade val="50000"/>
+              </a:schemeClr>
+            </a:lnRef>
+            <a:fillRef idx="1">
+              <a:schemeClr val="dk1"/>
+            </a:fillRef>
+            <a:effectRef idx="0">
+              <a:schemeClr val="dk1"/>
+            </a:effectRef>
+            <a:fontRef idx="minor">
+              <a:schemeClr val="lt1"/>
+            </a:fontRef>
+          </p:style>
+          <p:txBody>
+            <a:bodyPr rtlCol="0" anchor="ctr"/>
+            <a:lstStyle/>
+            <a:p>
+              <a:pPr algn="ctr"/>
+              <a:endParaRPr lang="en-US"/>
+            </a:p>
+          </p:txBody>
+        </p:sp>
+        <p:sp>
+          <p:nvSpPr>
+            <p:cNvPr id="13" name="Rectangle 12">
+              <a:extLst>
+                <a:ext uri="{FF2B5EF4-FFF2-40B4-BE49-F238E27FC236}">
+                  <a16:creationId xmlns:a16="http://schemas.microsoft.com/office/drawing/2014/main" id="{2D44D04F-0B15-BDA9-5F7B-E66BE57C2820}"/>
+                </a:ext>
+              </a:extLst>
+            </p:cNvPr>
+            <p:cNvSpPr/>
+            <p:nvPr/>
+          </p:nvSpPr>
+          <p:spPr>
+            <a:xfrm>
+              <a:off x="6169958" y="1875955"/>
+              <a:ext cx="158585" cy="282271"/>
+            </a:xfrm>
+            <a:prstGeom prst="rect">
+              <a:avLst/>
+            </a:prstGeom>
+            <a:grpFill/>
+            <a:ln>
+              <a:noFill/>
+            </a:ln>
+          </p:spPr>
+          <p:style>
+            <a:lnRef idx="2">
+              <a:schemeClr val="dk1">
+                <a:shade val="50000"/>
+              </a:schemeClr>
+            </a:lnRef>
+            <a:fillRef idx="1">
+              <a:schemeClr val="dk1"/>
+            </a:fillRef>
+            <a:effectRef idx="0">
+              <a:schemeClr val="dk1"/>
+            </a:effectRef>
+            <a:fontRef idx="minor">
+              <a:schemeClr val="lt1"/>
+            </a:fontRef>
+          </p:style>
+          <p:txBody>
+            <a:bodyPr rtlCol="0" anchor="ctr"/>
+            <a:lstStyle/>
+            <a:p>
+              <a:pPr algn="ctr"/>
+              <a:endParaRPr lang="en-US"/>
+            </a:p>
+          </p:txBody>
+        </p:sp>
+      </p:grpSp>
     </p:spTree>
     <p:extLst>
       <p:ext uri="{BB962C8B-B14F-4D97-AF65-F5344CB8AC3E}">
-        <p14:creationId xmlns:p14="http://schemas.microsoft.com/office/powerpoint/2010/main" val="1338546318"/>
+        <p14:creationId xmlns:p14="http://schemas.microsoft.com/office/powerpoint/2010/main" val="3573868266"/>
       </p:ext>
     </p:extLst>
   </p:cSld>
